--- a/Documentation/StandAlone/stand alone.pptx
+++ b/Documentation/StandAlone/stand alone.pptx
@@ -105,6 +105,11 @@
       </a:defRPr>
     </a:lvl9pPr>
   </p:defaultTextStyle>
+  <p:extLst>
+    <p:ext uri="{EFAFB233-063F-42B5-8137-9DF3F51BA10A}">
+      <p15:sldGuideLst xmlns:p15="http://schemas.microsoft.com/office/powerpoint/2012/main"/>
+    </p:ext>
+  </p:extLst>
 </p:presentation>
 </file>
 
@@ -610,7 +615,7 @@
           <a:p>
             <a:fld id="{4D6F6149-F313-4712-9CDD-523F84EDB9A1}" type="datetimeFigureOut">
               <a:rPr lang="he-IL" smtClean="0"/>
-              <a:t>כ"ג/אדר/תשע"ה</a:t>
+              <a:t>כ"ד/אדר/תשע"ה</a:t>
             </a:fld>
             <a:endParaRPr lang="he-IL"/>
           </a:p>
@@ -906,7 +911,7 @@
           <a:p>
             <a:fld id="{4D6F6149-F313-4712-9CDD-523F84EDB9A1}" type="datetimeFigureOut">
               <a:rPr lang="he-IL" smtClean="0"/>
-              <a:t>כ"ג/אדר/תשע"ה</a:t>
+              <a:t>כ"ד/אדר/תשע"ה</a:t>
             </a:fld>
             <a:endParaRPr lang="he-IL"/>
           </a:p>
@@ -1154,7 +1159,7 @@
           <a:p>
             <a:fld id="{4D6F6149-F313-4712-9CDD-523F84EDB9A1}" type="datetimeFigureOut">
               <a:rPr lang="he-IL" smtClean="0"/>
-              <a:t>כ"ג/אדר/תשע"ה</a:t>
+              <a:t>כ"ד/אדר/תשע"ה</a:t>
             </a:fld>
             <a:endParaRPr lang="he-IL"/>
           </a:p>
@@ -1694,7 +1699,7 @@
           <a:p>
             <a:fld id="{4D6F6149-F313-4712-9CDD-523F84EDB9A1}" type="datetimeFigureOut">
               <a:rPr lang="he-IL" smtClean="0"/>
-              <a:t>כ"ג/אדר/תשע"ה</a:t>
+              <a:t>כ"ד/אדר/תשע"ה</a:t>
             </a:fld>
             <a:endParaRPr lang="he-IL"/>
           </a:p>
@@ -1942,7 +1947,7 @@
           <a:p>
             <a:fld id="{4D6F6149-F313-4712-9CDD-523F84EDB9A1}" type="datetimeFigureOut">
               <a:rPr lang="he-IL" smtClean="0"/>
-              <a:t>כ"ג/אדר/תשע"ה</a:t>
+              <a:t>כ"ד/אדר/תשע"ה</a:t>
             </a:fld>
             <a:endParaRPr lang="he-IL"/>
           </a:p>
@@ -2474,7 +2479,7 @@
           <a:p>
             <a:fld id="{4D6F6149-F313-4712-9CDD-523F84EDB9A1}" type="datetimeFigureOut">
               <a:rPr lang="he-IL" smtClean="0"/>
-              <a:t>כ"ג/אדר/תשע"ה</a:t>
+              <a:t>כ"ד/אדר/תשע"ה</a:t>
             </a:fld>
             <a:endParaRPr lang="he-IL"/>
           </a:p>
@@ -2771,7 +2776,7 @@
           <a:p>
             <a:fld id="{4D6F6149-F313-4712-9CDD-523F84EDB9A1}" type="datetimeFigureOut">
               <a:rPr lang="he-IL" smtClean="0"/>
-              <a:t>כ"ג/אדר/תשע"ה</a:t>
+              <a:t>כ"ד/אדר/תשע"ה</a:t>
             </a:fld>
             <a:endParaRPr lang="he-IL"/>
           </a:p>
@@ -2945,7 +2950,7 @@
           <a:p>
             <a:fld id="{4D6F6149-F313-4712-9CDD-523F84EDB9A1}" type="datetimeFigureOut">
               <a:rPr lang="he-IL" smtClean="0"/>
-              <a:t>כ"ג/אדר/תשע"ה</a:t>
+              <a:t>כ"ד/אדר/תשע"ה</a:t>
             </a:fld>
             <a:endParaRPr lang="he-IL"/>
           </a:p>
@@ -3125,7 +3130,7 @@
           <a:p>
             <a:fld id="{4D6F6149-F313-4712-9CDD-523F84EDB9A1}" type="datetimeFigureOut">
               <a:rPr lang="he-IL" smtClean="0"/>
-              <a:t>כ"ג/אדר/תשע"ה</a:t>
+              <a:t>כ"ד/אדר/תשע"ה</a:t>
             </a:fld>
             <a:endParaRPr lang="he-IL"/>
           </a:p>
@@ -3295,7 +3300,7 @@
           <a:p>
             <a:fld id="{4D6F6149-F313-4712-9CDD-523F84EDB9A1}" type="datetimeFigureOut">
               <a:rPr lang="he-IL" smtClean="0"/>
-              <a:t>כ"ג/אדר/תשע"ה</a:t>
+              <a:t>כ"ד/אדר/תשע"ה</a:t>
             </a:fld>
             <a:endParaRPr lang="he-IL"/>
           </a:p>
@@ -3546,7 +3551,7 @@
           <a:p>
             <a:fld id="{4D6F6149-F313-4712-9CDD-523F84EDB9A1}" type="datetimeFigureOut">
               <a:rPr lang="he-IL" smtClean="0"/>
-              <a:t>כ"ג/אדר/תשע"ה</a:t>
+              <a:t>כ"ד/אדר/תשע"ה</a:t>
             </a:fld>
             <a:endParaRPr lang="he-IL"/>
           </a:p>
@@ -3843,7 +3848,7 @@
           <a:p>
             <a:fld id="{4D6F6149-F313-4712-9CDD-523F84EDB9A1}" type="datetimeFigureOut">
               <a:rPr lang="he-IL" smtClean="0"/>
-              <a:t>כ"ג/אדר/תשע"ה</a:t>
+              <a:t>כ"ד/אדר/תשע"ה</a:t>
             </a:fld>
             <a:endParaRPr lang="he-IL"/>
           </a:p>
@@ -4285,7 +4290,7 @@
           <a:p>
             <a:fld id="{4D6F6149-F313-4712-9CDD-523F84EDB9A1}" type="datetimeFigureOut">
               <a:rPr lang="he-IL" smtClean="0"/>
-              <a:t>כ"ג/אדר/תשע"ה</a:t>
+              <a:t>כ"ד/אדר/תשע"ה</a:t>
             </a:fld>
             <a:endParaRPr lang="he-IL"/>
           </a:p>
@@ -4403,7 +4408,7 @@
           <a:p>
             <a:fld id="{4D6F6149-F313-4712-9CDD-523F84EDB9A1}" type="datetimeFigureOut">
               <a:rPr lang="he-IL" smtClean="0"/>
-              <a:t>כ"ג/אדר/תשע"ה</a:t>
+              <a:t>כ"ד/אדר/תשע"ה</a:t>
             </a:fld>
             <a:endParaRPr lang="he-IL"/>
           </a:p>
@@ -4498,7 +4503,7 @@
           <a:p>
             <a:fld id="{4D6F6149-F313-4712-9CDD-523F84EDB9A1}" type="datetimeFigureOut">
               <a:rPr lang="he-IL" smtClean="0"/>
-              <a:t>כ"ג/אדר/תשע"ה</a:t>
+              <a:t>כ"ד/אדר/תשע"ה</a:t>
             </a:fld>
             <a:endParaRPr lang="he-IL"/>
           </a:p>
@@ -4781,7 +4786,7 @@
           <a:p>
             <a:fld id="{4D6F6149-F313-4712-9CDD-523F84EDB9A1}" type="datetimeFigureOut">
               <a:rPr lang="he-IL" smtClean="0"/>
-              <a:t>כ"ג/אדר/תשע"ה</a:t>
+              <a:t>כ"ד/אדר/תשע"ה</a:t>
             </a:fld>
             <a:endParaRPr lang="he-IL"/>
           </a:p>
@@ -5072,7 +5077,7 @@
           <a:p>
             <a:fld id="{4D6F6149-F313-4712-9CDD-523F84EDB9A1}" type="datetimeFigureOut">
               <a:rPr lang="he-IL" smtClean="0"/>
-              <a:t>כ"ג/אדר/תשע"ה</a:t>
+              <a:t>כ"ד/אדר/תשע"ה</a:t>
             </a:fld>
             <a:endParaRPr lang="he-IL"/>
           </a:p>
@@ -5602,7 +5607,7 @@
           <a:p>
             <a:fld id="{4D6F6149-F313-4712-9CDD-523F84EDB9A1}" type="datetimeFigureOut">
               <a:rPr lang="he-IL" smtClean="0"/>
-              <a:t>כ"ג/אדר/תשע"ה</a:t>
+              <a:t>כ"ד/אדר/תשע"ה</a:t>
             </a:fld>
             <a:endParaRPr lang="he-IL"/>
           </a:p>
@@ -6637,12 +6642,8 @@
           <a:p>
             <a:pPr algn="ctr"/>
             <a:r>
-              <a:rPr lang="he-IL" dirty="0" smtClean="0"/>
-              <a:t>נמלא בהתאם </a:t>
-            </a:r>
-            <a:r>
-              <a:rPr lang="he-IL" smtClean="0"/>
-              <a:t>לפרוייקט</a:t>
+              <a:rPr lang="he-IL" smtClean="0"/>
+              <a:t>עדכון תכני האתר</a:t>
             </a:r>
             <a:endParaRPr lang="he-IL" dirty="0"/>
           </a:p>
